--- a/Day_3_Training.pptx
+++ b/Day_3_Training.pptx
@@ -5,7 +5,7 @@
     <p:sldMasterId id="2147483648" r:id="rId1"/>
   </p:sldMasterIdLst>
   <p:notesMasterIdLst>
-    <p:notesMasterId r:id="rId20"/>
+    <p:notesMasterId r:id="rId22"/>
   </p:notesMasterIdLst>
   <p:sldIdLst>
     <p:sldId id="283" r:id="rId2"/>
@@ -26,6 +26,8 @@
     <p:sldId id="280" r:id="rId17"/>
     <p:sldId id="281" r:id="rId18"/>
     <p:sldId id="282" r:id="rId19"/>
+    <p:sldId id="289" r:id="rId20"/>
+    <p:sldId id="290" r:id="rId21"/>
   </p:sldIdLst>
   <p:sldSz cx="12192000" cy="6858000"/>
   <p:notesSz cx="6858000" cy="9144000"/>
@@ -214,7 +216,7 @@
           <a:p>
             <a:fld id="{2DFA8FBC-D085-4302-8AB4-CB22D5B87B17}" type="datetimeFigureOut">
               <a:rPr lang="en-US" smtClean="0"/>
-              <a:t>5/28/2018</a:t>
+              <a:t>6/9/2018</a:t>
             </a:fld>
             <a:endParaRPr lang="en-US"/>
           </a:p>
@@ -610,7 +612,7 @@
           <a:p>
             <a:fld id="{635C9E52-7876-4467-B2E3-4E8A0FFE6CA5}" type="datetimeFigureOut">
               <a:rPr lang="en-US" smtClean="0"/>
-              <a:t>5/28/2018</a:t>
+              <a:t>6/9/2018</a:t>
             </a:fld>
             <a:endParaRPr lang="en-US"/>
           </a:p>
@@ -778,7 +780,7 @@
           <a:p>
             <a:fld id="{635C9E52-7876-4467-B2E3-4E8A0FFE6CA5}" type="datetimeFigureOut">
               <a:rPr lang="en-US" smtClean="0"/>
-              <a:t>5/28/2018</a:t>
+              <a:t>6/9/2018</a:t>
             </a:fld>
             <a:endParaRPr lang="en-US"/>
           </a:p>
@@ -956,7 +958,7 @@
           <a:p>
             <a:fld id="{635C9E52-7876-4467-B2E3-4E8A0FFE6CA5}" type="datetimeFigureOut">
               <a:rPr lang="en-US" smtClean="0"/>
-              <a:t>5/28/2018</a:t>
+              <a:t>6/9/2018</a:t>
             </a:fld>
             <a:endParaRPr lang="en-US"/>
           </a:p>
@@ -1124,7 +1126,7 @@
           <a:p>
             <a:fld id="{635C9E52-7876-4467-B2E3-4E8A0FFE6CA5}" type="datetimeFigureOut">
               <a:rPr lang="en-US" smtClean="0"/>
-              <a:t>5/28/2018</a:t>
+              <a:t>6/9/2018</a:t>
             </a:fld>
             <a:endParaRPr lang="en-US"/>
           </a:p>
@@ -1369,7 +1371,7 @@
           <a:p>
             <a:fld id="{635C9E52-7876-4467-B2E3-4E8A0FFE6CA5}" type="datetimeFigureOut">
               <a:rPr lang="en-US" smtClean="0"/>
-              <a:t>5/28/2018</a:t>
+              <a:t>6/9/2018</a:t>
             </a:fld>
             <a:endParaRPr lang="en-US"/>
           </a:p>
@@ -1598,7 +1600,7 @@
           <a:p>
             <a:fld id="{635C9E52-7876-4467-B2E3-4E8A0FFE6CA5}" type="datetimeFigureOut">
               <a:rPr lang="en-US" smtClean="0"/>
-              <a:t>5/28/2018</a:t>
+              <a:t>6/9/2018</a:t>
             </a:fld>
             <a:endParaRPr lang="en-US"/>
           </a:p>
@@ -1962,7 +1964,7 @@
           <a:p>
             <a:fld id="{635C9E52-7876-4467-B2E3-4E8A0FFE6CA5}" type="datetimeFigureOut">
               <a:rPr lang="en-US" smtClean="0"/>
-              <a:t>5/28/2018</a:t>
+              <a:t>6/9/2018</a:t>
             </a:fld>
             <a:endParaRPr lang="en-US"/>
           </a:p>
@@ -2079,7 +2081,7 @@
           <a:p>
             <a:fld id="{635C9E52-7876-4467-B2E3-4E8A0FFE6CA5}" type="datetimeFigureOut">
               <a:rPr lang="en-US" smtClean="0"/>
-              <a:t>5/28/2018</a:t>
+              <a:t>6/9/2018</a:t>
             </a:fld>
             <a:endParaRPr lang="en-US"/>
           </a:p>
@@ -2174,7 +2176,7 @@
           <a:p>
             <a:fld id="{635C9E52-7876-4467-B2E3-4E8A0FFE6CA5}" type="datetimeFigureOut">
               <a:rPr lang="en-US" smtClean="0"/>
-              <a:t>5/28/2018</a:t>
+              <a:t>6/9/2018</a:t>
             </a:fld>
             <a:endParaRPr lang="en-US"/>
           </a:p>
@@ -2449,7 +2451,7 @@
           <a:p>
             <a:fld id="{635C9E52-7876-4467-B2E3-4E8A0FFE6CA5}" type="datetimeFigureOut">
               <a:rPr lang="en-US" smtClean="0"/>
-              <a:t>5/28/2018</a:t>
+              <a:t>6/9/2018</a:t>
             </a:fld>
             <a:endParaRPr lang="en-US"/>
           </a:p>
@@ -2701,7 +2703,7 @@
           <a:p>
             <a:fld id="{635C9E52-7876-4467-B2E3-4E8A0FFE6CA5}" type="datetimeFigureOut">
               <a:rPr lang="en-US" smtClean="0"/>
-              <a:t>5/28/2018</a:t>
+              <a:t>6/9/2018</a:t>
             </a:fld>
             <a:endParaRPr lang="en-US"/>
           </a:p>
@@ -2912,7 +2914,7 @@
           <a:p>
             <a:fld id="{635C9E52-7876-4467-B2E3-4E8A0FFE6CA5}" type="datetimeFigureOut">
               <a:rPr lang="en-US" smtClean="0"/>
-              <a:t>5/28/2018</a:t>
+              <a:t>6/9/2018</a:t>
             </a:fld>
             <a:endParaRPr lang="en-US"/>
           </a:p>
@@ -3703,7 +3705,6 @@
               <a:rPr lang="en-US" dirty="0"/>
               <a:t>  print(x)</a:t>
             </a:r>
-            <a:endParaRPr lang="en-US" dirty="0"/>
           </a:p>
         </p:txBody>
       </p:sp>
@@ -4122,7 +4123,6 @@
               <a:rPr lang="en-US" dirty="0"/>
               <a:t>print(factorial(n))</a:t>
             </a:r>
-            <a:endParaRPr lang="en-US" dirty="0"/>
           </a:p>
         </p:txBody>
       </p:sp>
@@ -4304,7 +4304,6 @@
               <a:rPr lang="en-US" dirty="0"/>
               <a:t>   statement(s)</a:t>
             </a:r>
-            <a:endParaRPr lang="en-US" dirty="0"/>
           </a:p>
         </p:txBody>
       </p:sp>
@@ -4537,7 +4536,6 @@
               <a:rPr lang="en-US" dirty="0"/>
               <a:t>print "Good bye!"</a:t>
             </a:r>
-            <a:endParaRPr lang="en-US" dirty="0"/>
           </a:p>
         </p:txBody>
       </p:sp>
@@ -4664,7 +4662,6 @@
               <a:rPr lang="en-US" dirty="0"/>
               <a:t>The pass statement in Python is used when a statement is required syntactically but you do not want any command or code to execute.</a:t>
             </a:r>
-            <a:endParaRPr lang="en-US" dirty="0"/>
           </a:p>
         </p:txBody>
       </p:sp>
@@ -4672,6 +4669,77 @@
     <p:extLst>
       <p:ext uri="{BB962C8B-B14F-4D97-AF65-F5344CB8AC3E}">
         <p14:creationId xmlns:p14="http://schemas.microsoft.com/office/powerpoint/2010/main" val="2020529819"/>
+      </p:ext>
+    </p:extLst>
+  </p:cSld>
+  <p:clrMapOvr>
+    <a:masterClrMapping/>
+  </p:clrMapOvr>
+</p:sld>
+</file>
+
+<file path=ppt/slides/slide19.xml><?xml version="1.0" encoding="utf-8"?>
+<p:sld xmlns:a="http://schemas.openxmlformats.org/drawingml/2006/main" xmlns:r="http://schemas.openxmlformats.org/officeDocument/2006/relationships" xmlns:p="http://schemas.openxmlformats.org/presentationml/2006/main">
+  <p:cSld>
+    <p:spTree>
+      <p:nvGrpSpPr>
+        <p:cNvPr id="1" name=""/>
+        <p:cNvGrpSpPr/>
+        <p:nvPr/>
+      </p:nvGrpSpPr>
+      <p:grpSpPr>
+        <a:xfrm>
+          <a:off x="0" y="0"/>
+          <a:ext cx="0" cy="0"/>
+          <a:chOff x="0" y="0"/>
+          <a:chExt cx="0" cy="0"/>
+        </a:xfrm>
+      </p:grpSpPr>
+      <p:sp>
+        <p:nvSpPr>
+          <p:cNvPr id="2" name="Title 1"/>
+          <p:cNvSpPr>
+            <a:spLocks noGrp="1"/>
+          </p:cNvSpPr>
+          <p:nvPr>
+            <p:ph type="title"/>
+          </p:nvPr>
+        </p:nvSpPr>
+        <p:spPr/>
+        <p:txBody>
+          <a:bodyPr/>
+          <a:lstStyle/>
+          <a:p>
+            <a:r>
+              <a:rPr lang="en-US" dirty="0"/>
+              <a:t>Robot Framework Library -  Conditional Statements</a:t>
+            </a:r>
+          </a:p>
+        </p:txBody>
+      </p:sp>
+      <p:sp>
+        <p:nvSpPr>
+          <p:cNvPr id="3" name="Content Placeholder 2"/>
+          <p:cNvSpPr>
+            <a:spLocks noGrp="1"/>
+          </p:cNvSpPr>
+          <p:nvPr>
+            <p:ph idx="1"/>
+          </p:nvPr>
+        </p:nvSpPr>
+        <p:spPr/>
+        <p:txBody>
+          <a:bodyPr/>
+          <a:lstStyle/>
+          <a:p>
+            <a:endParaRPr lang="en-US"/>
+          </a:p>
+        </p:txBody>
+      </p:sp>
+    </p:spTree>
+    <p:extLst>
+      <p:ext uri="{BB962C8B-B14F-4D97-AF65-F5344CB8AC3E}">
+        <p14:creationId xmlns:p14="http://schemas.microsoft.com/office/powerpoint/2010/main" val="2427163642"/>
       </p:ext>
     </p:extLst>
   </p:cSld>
@@ -4812,6 +4880,82 @@
     <p:extLst>
       <p:ext uri="{BB962C8B-B14F-4D97-AF65-F5344CB8AC3E}">
         <p14:creationId xmlns:p14="http://schemas.microsoft.com/office/powerpoint/2010/main" val="1780583253"/>
+      </p:ext>
+    </p:extLst>
+  </p:cSld>
+  <p:clrMapOvr>
+    <a:masterClrMapping/>
+  </p:clrMapOvr>
+</p:sld>
+</file>
+
+<file path=ppt/slides/slide20.xml><?xml version="1.0" encoding="utf-8"?>
+<p:sld xmlns:a="http://schemas.openxmlformats.org/drawingml/2006/main" xmlns:r="http://schemas.openxmlformats.org/officeDocument/2006/relationships" xmlns:p="http://schemas.openxmlformats.org/presentationml/2006/main">
+  <p:cSld>
+    <p:spTree>
+      <p:nvGrpSpPr>
+        <p:cNvPr id="1" name=""/>
+        <p:cNvGrpSpPr/>
+        <p:nvPr/>
+      </p:nvGrpSpPr>
+      <p:grpSpPr>
+        <a:xfrm>
+          <a:off x="0" y="0"/>
+          <a:ext cx="0" cy="0"/>
+          <a:chOff x="0" y="0"/>
+          <a:chExt cx="0" cy="0"/>
+        </a:xfrm>
+      </p:grpSpPr>
+      <p:sp>
+        <p:nvSpPr>
+          <p:cNvPr id="2" name="Title 1"/>
+          <p:cNvSpPr>
+            <a:spLocks noGrp="1"/>
+          </p:cNvSpPr>
+          <p:nvPr>
+            <p:ph type="title"/>
+          </p:nvPr>
+        </p:nvSpPr>
+        <p:spPr/>
+        <p:txBody>
+          <a:bodyPr/>
+          <a:lstStyle/>
+          <a:p>
+            <a:r>
+              <a:rPr lang="en-US" dirty="0"/>
+              <a:t>Robot Framework Library – </a:t>
+            </a:r>
+            <a:r>
+              <a:rPr lang="en-US"/>
+              <a:t>Loop Statements</a:t>
+            </a:r>
+            <a:endParaRPr lang="en-US" dirty="0"/>
+          </a:p>
+        </p:txBody>
+      </p:sp>
+      <p:sp>
+        <p:nvSpPr>
+          <p:cNvPr id="3" name="Content Placeholder 2"/>
+          <p:cNvSpPr>
+            <a:spLocks noGrp="1"/>
+          </p:cNvSpPr>
+          <p:nvPr>
+            <p:ph idx="1"/>
+          </p:nvPr>
+        </p:nvSpPr>
+        <p:spPr/>
+        <p:txBody>
+          <a:bodyPr/>
+          <a:lstStyle/>
+          <a:p>
+            <a:endParaRPr lang="en-US"/>
+          </a:p>
+        </p:txBody>
+      </p:sp>
+    </p:spTree>
+    <p:extLst>
+      <p:ext uri="{BB962C8B-B14F-4D97-AF65-F5344CB8AC3E}">
+        <p14:creationId xmlns:p14="http://schemas.microsoft.com/office/powerpoint/2010/main" val="1713949836"/>
       </p:ext>
     </p:extLst>
   </p:cSld>
@@ -5252,7 +5396,6 @@
               <a:rPr lang="en-US" dirty="0"/>
               <a:t>print "Good bye!"</a:t>
             </a:r>
-            <a:endParaRPr lang="en-US" dirty="0"/>
           </a:p>
         </p:txBody>
       </p:sp>
@@ -5811,7 +5954,6 @@
               <a:rPr lang="en-US" dirty="0"/>
               <a:t>))</a:t>
             </a:r>
-            <a:endParaRPr lang="en-US" dirty="0"/>
           </a:p>
           <a:p>
             <a:pPr marL="457200" indent="-457200" algn="l">

--- a/Day_3_Training.pptx
+++ b/Day_3_Training.pptx
@@ -5,7 +5,7 @@
     <p:sldMasterId id="2147483648" r:id="rId1"/>
   </p:sldMasterIdLst>
   <p:notesMasterIdLst>
-    <p:notesMasterId r:id="rId22"/>
+    <p:notesMasterId r:id="rId24"/>
   </p:notesMasterIdLst>
   <p:sldIdLst>
     <p:sldId id="283" r:id="rId2"/>
@@ -28,6 +28,8 @@
     <p:sldId id="282" r:id="rId19"/>
     <p:sldId id="289" r:id="rId20"/>
     <p:sldId id="290" r:id="rId21"/>
+    <p:sldId id="291" r:id="rId22"/>
+    <p:sldId id="292" r:id="rId23"/>
   </p:sldIdLst>
   <p:sldSz cx="12192000" cy="6858000"/>
   <p:notesSz cx="6858000" cy="9144000"/>
@@ -128,7 +130,7 @@
   </p:defaultTextStyle>
   <p:extLst>
     <p:ext uri="{EFAFB233-063F-42B5-8137-9DF3F51BA10A}">
-      <p15:sldGuideLst xmlns:p15="http://schemas.microsoft.com/office/powerpoint/2012/main"/>
+      <p15:sldGuideLst xmlns:p15="http://schemas.microsoft.com/office/powerpoint/2012/main" xmlns=""/>
     </p:ext>
   </p:extLst>
 </p:presentation>
@@ -216,7 +218,8 @@
           <a:p>
             <a:fld id="{2DFA8FBC-D085-4302-8AB4-CB22D5B87B17}" type="datetimeFigureOut">
               <a:rPr lang="en-US" smtClean="0"/>
-              <a:t>6/9/2018</a:t>
+              <a:pPr/>
+              <a:t>09-Jun-18</a:t>
             </a:fld>
             <a:endParaRPr lang="en-US"/>
           </a:p>
@@ -374,6 +377,7 @@
           <a:p>
             <a:fld id="{5376D8E8-B6CA-4804-B2F1-70E58014880E}" type="slidenum">
               <a:rPr lang="en-US" smtClean="0"/>
+              <a:pPr/>
               <a:t>‹#›</a:t>
             </a:fld>
             <a:endParaRPr lang="en-US"/>
@@ -383,7 +387,7 @@
     </p:spTree>
     <p:extLst>
       <p:ext uri="{BB962C8B-B14F-4D97-AF65-F5344CB8AC3E}">
-        <p14:creationId xmlns:p14="http://schemas.microsoft.com/office/powerpoint/2010/main" val="3868381238"/>
+        <p14:creationId xmlns:p14="http://schemas.microsoft.com/office/powerpoint/2010/main" xmlns="" val="3868381238"/>
       </p:ext>
     </p:extLst>
   </p:cSld>
@@ -612,7 +616,8 @@
           <a:p>
             <a:fld id="{635C9E52-7876-4467-B2E3-4E8A0FFE6CA5}" type="datetimeFigureOut">
               <a:rPr lang="en-US" smtClean="0"/>
-              <a:t>6/9/2018</a:t>
+              <a:pPr/>
+              <a:t>09-Jun-18</a:t>
             </a:fld>
             <a:endParaRPr lang="en-US"/>
           </a:p>
@@ -654,6 +659,7 @@
           <a:p>
             <a:fld id="{23782DBF-1BA2-4BC4-B98A-BDC0263A6CDC}" type="slidenum">
               <a:rPr lang="en-US" smtClean="0"/>
+              <a:pPr/>
               <a:t>‹#›</a:t>
             </a:fld>
             <a:endParaRPr lang="en-US"/>
@@ -663,7 +669,7 @@
     </p:spTree>
     <p:extLst>
       <p:ext uri="{BB962C8B-B14F-4D97-AF65-F5344CB8AC3E}">
-        <p14:creationId xmlns:p14="http://schemas.microsoft.com/office/powerpoint/2010/main" val="3169153744"/>
+        <p14:creationId xmlns:p14="http://schemas.microsoft.com/office/powerpoint/2010/main" xmlns="" val="3169153744"/>
       </p:ext>
     </p:extLst>
   </p:cSld>
@@ -780,7 +786,8 @@
           <a:p>
             <a:fld id="{635C9E52-7876-4467-B2E3-4E8A0FFE6CA5}" type="datetimeFigureOut">
               <a:rPr lang="en-US" smtClean="0"/>
-              <a:t>6/9/2018</a:t>
+              <a:pPr/>
+              <a:t>09-Jun-18</a:t>
             </a:fld>
             <a:endParaRPr lang="en-US"/>
           </a:p>
@@ -822,6 +829,7 @@
           <a:p>
             <a:fld id="{23782DBF-1BA2-4BC4-B98A-BDC0263A6CDC}" type="slidenum">
               <a:rPr lang="en-US" smtClean="0"/>
+              <a:pPr/>
               <a:t>‹#›</a:t>
             </a:fld>
             <a:endParaRPr lang="en-US"/>
@@ -831,7 +839,7 @@
     </p:spTree>
     <p:extLst>
       <p:ext uri="{BB962C8B-B14F-4D97-AF65-F5344CB8AC3E}">
-        <p14:creationId xmlns:p14="http://schemas.microsoft.com/office/powerpoint/2010/main" val="1593433582"/>
+        <p14:creationId xmlns:p14="http://schemas.microsoft.com/office/powerpoint/2010/main" xmlns="" val="1593433582"/>
       </p:ext>
     </p:extLst>
   </p:cSld>
@@ -958,7 +966,8 @@
           <a:p>
             <a:fld id="{635C9E52-7876-4467-B2E3-4E8A0FFE6CA5}" type="datetimeFigureOut">
               <a:rPr lang="en-US" smtClean="0"/>
-              <a:t>6/9/2018</a:t>
+              <a:pPr/>
+              <a:t>09-Jun-18</a:t>
             </a:fld>
             <a:endParaRPr lang="en-US"/>
           </a:p>
@@ -1000,6 +1009,7 @@
           <a:p>
             <a:fld id="{23782DBF-1BA2-4BC4-B98A-BDC0263A6CDC}" type="slidenum">
               <a:rPr lang="en-US" smtClean="0"/>
+              <a:pPr/>
               <a:t>‹#›</a:t>
             </a:fld>
             <a:endParaRPr lang="en-US"/>
@@ -1009,7 +1019,7 @@
     </p:spTree>
     <p:extLst>
       <p:ext uri="{BB962C8B-B14F-4D97-AF65-F5344CB8AC3E}">
-        <p14:creationId xmlns:p14="http://schemas.microsoft.com/office/powerpoint/2010/main" val="2045208562"/>
+        <p14:creationId xmlns:p14="http://schemas.microsoft.com/office/powerpoint/2010/main" xmlns="" val="2045208562"/>
       </p:ext>
     </p:extLst>
   </p:cSld>
@@ -1126,7 +1136,8 @@
           <a:p>
             <a:fld id="{635C9E52-7876-4467-B2E3-4E8A0FFE6CA5}" type="datetimeFigureOut">
               <a:rPr lang="en-US" smtClean="0"/>
-              <a:t>6/9/2018</a:t>
+              <a:pPr/>
+              <a:t>09-Jun-18</a:t>
             </a:fld>
             <a:endParaRPr lang="en-US"/>
           </a:p>
@@ -1168,6 +1179,7 @@
           <a:p>
             <a:fld id="{23782DBF-1BA2-4BC4-B98A-BDC0263A6CDC}" type="slidenum">
               <a:rPr lang="en-US" smtClean="0"/>
+              <a:pPr/>
               <a:t>‹#›</a:t>
             </a:fld>
             <a:endParaRPr lang="en-US"/>
@@ -1177,7 +1189,7 @@
     </p:spTree>
     <p:extLst>
       <p:ext uri="{BB962C8B-B14F-4D97-AF65-F5344CB8AC3E}">
-        <p14:creationId xmlns:p14="http://schemas.microsoft.com/office/powerpoint/2010/main" val="4062740986"/>
+        <p14:creationId xmlns:p14="http://schemas.microsoft.com/office/powerpoint/2010/main" xmlns="" val="4062740986"/>
       </p:ext>
     </p:extLst>
   </p:cSld>
@@ -1371,7 +1383,8 @@
           <a:p>
             <a:fld id="{635C9E52-7876-4467-B2E3-4E8A0FFE6CA5}" type="datetimeFigureOut">
               <a:rPr lang="en-US" smtClean="0"/>
-              <a:t>6/9/2018</a:t>
+              <a:pPr/>
+              <a:t>09-Jun-18</a:t>
             </a:fld>
             <a:endParaRPr lang="en-US"/>
           </a:p>
@@ -1413,6 +1426,7 @@
           <a:p>
             <a:fld id="{23782DBF-1BA2-4BC4-B98A-BDC0263A6CDC}" type="slidenum">
               <a:rPr lang="en-US" smtClean="0"/>
+              <a:pPr/>
               <a:t>‹#›</a:t>
             </a:fld>
             <a:endParaRPr lang="en-US"/>
@@ -1422,7 +1436,7 @@
     </p:spTree>
     <p:extLst>
       <p:ext uri="{BB962C8B-B14F-4D97-AF65-F5344CB8AC3E}">
-        <p14:creationId xmlns:p14="http://schemas.microsoft.com/office/powerpoint/2010/main" val="3710308980"/>
+        <p14:creationId xmlns:p14="http://schemas.microsoft.com/office/powerpoint/2010/main" xmlns="" val="3710308980"/>
       </p:ext>
     </p:extLst>
   </p:cSld>
@@ -1600,7 +1614,8 @@
           <a:p>
             <a:fld id="{635C9E52-7876-4467-B2E3-4E8A0FFE6CA5}" type="datetimeFigureOut">
               <a:rPr lang="en-US" smtClean="0"/>
-              <a:t>6/9/2018</a:t>
+              <a:pPr/>
+              <a:t>09-Jun-18</a:t>
             </a:fld>
             <a:endParaRPr lang="en-US"/>
           </a:p>
@@ -1642,6 +1657,7 @@
           <a:p>
             <a:fld id="{23782DBF-1BA2-4BC4-B98A-BDC0263A6CDC}" type="slidenum">
               <a:rPr lang="en-US" smtClean="0"/>
+              <a:pPr/>
               <a:t>‹#›</a:t>
             </a:fld>
             <a:endParaRPr lang="en-US"/>
@@ -1651,7 +1667,7 @@
     </p:spTree>
     <p:extLst>
       <p:ext uri="{BB962C8B-B14F-4D97-AF65-F5344CB8AC3E}">
-        <p14:creationId xmlns:p14="http://schemas.microsoft.com/office/powerpoint/2010/main" val="999681537"/>
+        <p14:creationId xmlns:p14="http://schemas.microsoft.com/office/powerpoint/2010/main" xmlns="" val="999681537"/>
       </p:ext>
     </p:extLst>
   </p:cSld>
@@ -1964,7 +1980,8 @@
           <a:p>
             <a:fld id="{635C9E52-7876-4467-B2E3-4E8A0FFE6CA5}" type="datetimeFigureOut">
               <a:rPr lang="en-US" smtClean="0"/>
-              <a:t>6/9/2018</a:t>
+              <a:pPr/>
+              <a:t>09-Jun-18</a:t>
             </a:fld>
             <a:endParaRPr lang="en-US"/>
           </a:p>
@@ -2006,6 +2023,7 @@
           <a:p>
             <a:fld id="{23782DBF-1BA2-4BC4-B98A-BDC0263A6CDC}" type="slidenum">
               <a:rPr lang="en-US" smtClean="0"/>
+              <a:pPr/>
               <a:t>‹#›</a:t>
             </a:fld>
             <a:endParaRPr lang="en-US"/>
@@ -2015,7 +2033,7 @@
     </p:spTree>
     <p:extLst>
       <p:ext uri="{BB962C8B-B14F-4D97-AF65-F5344CB8AC3E}">
-        <p14:creationId xmlns:p14="http://schemas.microsoft.com/office/powerpoint/2010/main" val="2604405924"/>
+        <p14:creationId xmlns:p14="http://schemas.microsoft.com/office/powerpoint/2010/main" xmlns="" val="2604405924"/>
       </p:ext>
     </p:extLst>
   </p:cSld>
@@ -2081,7 +2099,8 @@
           <a:p>
             <a:fld id="{635C9E52-7876-4467-B2E3-4E8A0FFE6CA5}" type="datetimeFigureOut">
               <a:rPr lang="en-US" smtClean="0"/>
-              <a:t>6/9/2018</a:t>
+              <a:pPr/>
+              <a:t>09-Jun-18</a:t>
             </a:fld>
             <a:endParaRPr lang="en-US"/>
           </a:p>
@@ -2123,6 +2142,7 @@
           <a:p>
             <a:fld id="{23782DBF-1BA2-4BC4-B98A-BDC0263A6CDC}" type="slidenum">
               <a:rPr lang="en-US" smtClean="0"/>
+              <a:pPr/>
               <a:t>‹#›</a:t>
             </a:fld>
             <a:endParaRPr lang="en-US"/>
@@ -2132,7 +2152,7 @@
     </p:spTree>
     <p:extLst>
       <p:ext uri="{BB962C8B-B14F-4D97-AF65-F5344CB8AC3E}">
-        <p14:creationId xmlns:p14="http://schemas.microsoft.com/office/powerpoint/2010/main" val="3598578073"/>
+        <p14:creationId xmlns:p14="http://schemas.microsoft.com/office/powerpoint/2010/main" xmlns="" val="3598578073"/>
       </p:ext>
     </p:extLst>
   </p:cSld>
@@ -2176,7 +2196,8 @@
           <a:p>
             <a:fld id="{635C9E52-7876-4467-B2E3-4E8A0FFE6CA5}" type="datetimeFigureOut">
               <a:rPr lang="en-US" smtClean="0"/>
-              <a:t>6/9/2018</a:t>
+              <a:pPr/>
+              <a:t>09-Jun-18</a:t>
             </a:fld>
             <a:endParaRPr lang="en-US"/>
           </a:p>
@@ -2218,6 +2239,7 @@
           <a:p>
             <a:fld id="{23782DBF-1BA2-4BC4-B98A-BDC0263A6CDC}" type="slidenum">
               <a:rPr lang="en-US" smtClean="0"/>
+              <a:pPr/>
               <a:t>‹#›</a:t>
             </a:fld>
             <a:endParaRPr lang="en-US"/>
@@ -2227,7 +2249,7 @@
     </p:spTree>
     <p:extLst>
       <p:ext uri="{BB962C8B-B14F-4D97-AF65-F5344CB8AC3E}">
-        <p14:creationId xmlns:p14="http://schemas.microsoft.com/office/powerpoint/2010/main" val="1343340343"/>
+        <p14:creationId xmlns:p14="http://schemas.microsoft.com/office/powerpoint/2010/main" xmlns="" val="1343340343"/>
       </p:ext>
     </p:extLst>
   </p:cSld>
@@ -2451,7 +2473,8 @@
           <a:p>
             <a:fld id="{635C9E52-7876-4467-B2E3-4E8A0FFE6CA5}" type="datetimeFigureOut">
               <a:rPr lang="en-US" smtClean="0"/>
-              <a:t>6/9/2018</a:t>
+              <a:pPr/>
+              <a:t>09-Jun-18</a:t>
             </a:fld>
             <a:endParaRPr lang="en-US"/>
           </a:p>
@@ -2493,6 +2516,7 @@
           <a:p>
             <a:fld id="{23782DBF-1BA2-4BC4-B98A-BDC0263A6CDC}" type="slidenum">
               <a:rPr lang="en-US" smtClean="0"/>
+              <a:pPr/>
               <a:t>‹#›</a:t>
             </a:fld>
             <a:endParaRPr lang="en-US"/>
@@ -2502,7 +2526,7 @@
     </p:spTree>
     <p:extLst>
       <p:ext uri="{BB962C8B-B14F-4D97-AF65-F5344CB8AC3E}">
-        <p14:creationId xmlns:p14="http://schemas.microsoft.com/office/powerpoint/2010/main" val="366575480"/>
+        <p14:creationId xmlns:p14="http://schemas.microsoft.com/office/powerpoint/2010/main" xmlns="" val="366575480"/>
       </p:ext>
     </p:extLst>
   </p:cSld>
@@ -2703,7 +2727,8 @@
           <a:p>
             <a:fld id="{635C9E52-7876-4467-B2E3-4E8A0FFE6CA5}" type="datetimeFigureOut">
               <a:rPr lang="en-US" smtClean="0"/>
-              <a:t>6/9/2018</a:t>
+              <a:pPr/>
+              <a:t>09-Jun-18</a:t>
             </a:fld>
             <a:endParaRPr lang="en-US"/>
           </a:p>
@@ -2745,6 +2770,7 @@
           <a:p>
             <a:fld id="{23782DBF-1BA2-4BC4-B98A-BDC0263A6CDC}" type="slidenum">
               <a:rPr lang="en-US" smtClean="0"/>
+              <a:pPr/>
               <a:t>‹#›</a:t>
             </a:fld>
             <a:endParaRPr lang="en-US"/>
@@ -2754,7 +2780,7 @@
     </p:spTree>
     <p:extLst>
       <p:ext uri="{BB962C8B-B14F-4D97-AF65-F5344CB8AC3E}">
-        <p14:creationId xmlns:p14="http://schemas.microsoft.com/office/powerpoint/2010/main" val="3892718129"/>
+        <p14:creationId xmlns:p14="http://schemas.microsoft.com/office/powerpoint/2010/main" xmlns="" val="3892718129"/>
       </p:ext>
     </p:extLst>
   </p:cSld>
@@ -2914,7 +2940,8 @@
           <a:p>
             <a:fld id="{635C9E52-7876-4467-B2E3-4E8A0FFE6CA5}" type="datetimeFigureOut">
               <a:rPr lang="en-US" smtClean="0"/>
-              <a:t>6/9/2018</a:t>
+              <a:pPr/>
+              <a:t>09-Jun-18</a:t>
             </a:fld>
             <a:endParaRPr lang="en-US"/>
           </a:p>
@@ -2992,6 +3019,7 @@
           <a:p>
             <a:fld id="{23782DBF-1BA2-4BC4-B98A-BDC0263A6CDC}" type="slidenum">
               <a:rPr lang="en-US" smtClean="0"/>
+              <a:pPr/>
               <a:t>‹#›</a:t>
             </a:fld>
             <a:endParaRPr lang="en-US"/>
@@ -3001,7 +3029,7 @@
     </p:spTree>
     <p:extLst>
       <p:ext uri="{BB962C8B-B14F-4D97-AF65-F5344CB8AC3E}">
-        <p14:creationId xmlns:p14="http://schemas.microsoft.com/office/powerpoint/2010/main" val="228264506"/>
+        <p14:creationId xmlns:p14="http://schemas.microsoft.com/office/powerpoint/2010/main" xmlns="" val="228264506"/>
       </p:ext>
     </p:extLst>
   </p:cSld>
@@ -3401,7 +3429,7 @@
     </p:spTree>
     <p:extLst>
       <p:ext uri="{BB962C8B-B14F-4D97-AF65-F5344CB8AC3E}">
-        <p14:creationId xmlns:p14="http://schemas.microsoft.com/office/powerpoint/2010/main" val="1405266655"/>
+        <p14:creationId xmlns:p14="http://schemas.microsoft.com/office/powerpoint/2010/main" xmlns="" val="1405266655"/>
       </p:ext>
     </p:extLst>
   </p:cSld>
@@ -3497,7 +3525,7 @@
     </p:spTree>
     <p:extLst>
       <p:ext uri="{BB962C8B-B14F-4D97-AF65-F5344CB8AC3E}">
-        <p14:creationId xmlns:p14="http://schemas.microsoft.com/office/powerpoint/2010/main" val="3638066422"/>
+        <p14:creationId xmlns:p14="http://schemas.microsoft.com/office/powerpoint/2010/main" xmlns="" val="3638066422"/>
       </p:ext>
     </p:extLst>
   </p:cSld>
@@ -3575,7 +3603,7 @@
     </p:spTree>
     <p:extLst>
       <p:ext uri="{BB962C8B-B14F-4D97-AF65-F5344CB8AC3E}">
-        <p14:creationId xmlns:p14="http://schemas.microsoft.com/office/powerpoint/2010/main" val="2993601432"/>
+        <p14:creationId xmlns:p14="http://schemas.microsoft.com/office/powerpoint/2010/main" xmlns="" val="2993601432"/>
       </p:ext>
     </p:extLst>
   </p:cSld>
@@ -3711,7 +3739,7 @@
     </p:spTree>
     <p:extLst>
       <p:ext uri="{BB962C8B-B14F-4D97-AF65-F5344CB8AC3E}">
-        <p14:creationId xmlns:p14="http://schemas.microsoft.com/office/powerpoint/2010/main" val="1397300984"/>
+        <p14:creationId xmlns:p14="http://schemas.microsoft.com/office/powerpoint/2010/main" xmlns="" val="1397300984"/>
       </p:ext>
     </p:extLst>
   </p:cSld>
@@ -3845,7 +3873,7 @@
     </p:spTree>
     <p:extLst>
       <p:ext uri="{BB962C8B-B14F-4D97-AF65-F5344CB8AC3E}">
-        <p14:creationId xmlns:p14="http://schemas.microsoft.com/office/powerpoint/2010/main" val="1929663374"/>
+        <p14:creationId xmlns:p14="http://schemas.microsoft.com/office/powerpoint/2010/main" xmlns="" val="1929663374"/>
       </p:ext>
     </p:extLst>
   </p:cSld>
@@ -3966,7 +3994,7 @@
     </p:spTree>
     <p:extLst>
       <p:ext uri="{BB962C8B-B14F-4D97-AF65-F5344CB8AC3E}">
-        <p14:creationId xmlns:p14="http://schemas.microsoft.com/office/powerpoint/2010/main" val="759542453"/>
+        <p14:creationId xmlns:p14="http://schemas.microsoft.com/office/powerpoint/2010/main" xmlns="" val="759542453"/>
       </p:ext>
     </p:extLst>
   </p:cSld>
@@ -4129,7 +4157,7 @@
     </p:spTree>
     <p:extLst>
       <p:ext uri="{BB962C8B-B14F-4D97-AF65-F5344CB8AC3E}">
-        <p14:creationId xmlns:p14="http://schemas.microsoft.com/office/powerpoint/2010/main" val="1897013295"/>
+        <p14:creationId xmlns:p14="http://schemas.microsoft.com/office/powerpoint/2010/main" xmlns="" val="1897013295"/>
       </p:ext>
     </p:extLst>
   </p:cSld>
@@ -4310,7 +4338,7 @@
     </p:spTree>
     <p:extLst>
       <p:ext uri="{BB962C8B-B14F-4D97-AF65-F5344CB8AC3E}">
-        <p14:creationId xmlns:p14="http://schemas.microsoft.com/office/powerpoint/2010/main" val="1822935909"/>
+        <p14:creationId xmlns:p14="http://schemas.microsoft.com/office/powerpoint/2010/main" xmlns="" val="1822935909"/>
       </p:ext>
     </p:extLst>
   </p:cSld>
@@ -4542,7 +4570,7 @@
     </p:spTree>
     <p:extLst>
       <p:ext uri="{BB962C8B-B14F-4D97-AF65-F5344CB8AC3E}">
-        <p14:creationId xmlns:p14="http://schemas.microsoft.com/office/powerpoint/2010/main" val="2052121257"/>
+        <p14:creationId xmlns:p14="http://schemas.microsoft.com/office/powerpoint/2010/main" xmlns="" val="2052121257"/>
       </p:ext>
     </p:extLst>
   </p:cSld>
@@ -4668,7 +4696,7 @@
     </p:spTree>
     <p:extLst>
       <p:ext uri="{BB962C8B-B14F-4D97-AF65-F5344CB8AC3E}">
-        <p14:creationId xmlns:p14="http://schemas.microsoft.com/office/powerpoint/2010/main" val="2020529819"/>
+        <p14:creationId xmlns:p14="http://schemas.microsoft.com/office/powerpoint/2010/main" xmlns="" val="2020529819"/>
       </p:ext>
     </p:extLst>
   </p:cSld>
@@ -4711,9 +4739,10 @@
           <a:lstStyle/>
           <a:p>
             <a:r>
-              <a:rPr lang="en-US" dirty="0"/>
-              <a:t>Robot Framework Library -  Conditional Statements</a:t>
-            </a:r>
+              <a:rPr lang="en-US" dirty="0" smtClean="0"/>
+              <a:t>Functions</a:t>
+            </a:r>
+            <a:endParaRPr lang="en-US" dirty="0"/>
           </a:p>
         </p:txBody>
       </p:sp>
@@ -4732,14 +4761,31 @@
           <a:bodyPr/>
           <a:lstStyle/>
           <a:p>
-            <a:endParaRPr lang="en-US"/>
+            <a:r>
+              <a:rPr lang="en-US" dirty="0" smtClean="0"/>
+              <a:t>A function is a block of organized, reusable code that is used to perform a single, related action. Functions provide better modularity for your application and a high degree of code reusing.</a:t>
+            </a:r>
+          </a:p>
+          <a:p>
+            <a:r>
+              <a:rPr lang="en-US" dirty="0" smtClean="0"/>
+              <a:t>As you already know, Python gives you many built-in functions like print(), etc. but you can also create your own functions. These functions are called </a:t>
+            </a:r>
+            <a:r>
+              <a:rPr lang="en-US" i="1" dirty="0" smtClean="0"/>
+              <a:t>user-defined functions.</a:t>
+            </a:r>
+            <a:endParaRPr lang="en-US" dirty="0" smtClean="0"/>
+          </a:p>
+          <a:p>
+            <a:endParaRPr lang="en-US" dirty="0"/>
           </a:p>
         </p:txBody>
       </p:sp>
     </p:spTree>
     <p:extLst>
       <p:ext uri="{BB962C8B-B14F-4D97-AF65-F5344CB8AC3E}">
-        <p14:creationId xmlns:p14="http://schemas.microsoft.com/office/powerpoint/2010/main" val="2427163642"/>
+        <p14:creationId xmlns:p14="http://schemas.microsoft.com/office/powerpoint/2010/main" xmlns="" val="2427163642"/>
       </p:ext>
     </p:extLst>
   </p:cSld>
@@ -4879,7 +4925,7 @@
     </p:spTree>
     <p:extLst>
       <p:ext uri="{BB962C8B-B14F-4D97-AF65-F5344CB8AC3E}">
-        <p14:creationId xmlns:p14="http://schemas.microsoft.com/office/powerpoint/2010/main" val="1780583253"/>
+        <p14:creationId xmlns:p14="http://schemas.microsoft.com/office/powerpoint/2010/main" xmlns="" val="1780583253"/>
       </p:ext>
     </p:extLst>
   </p:cSld>
@@ -4922,12 +4968,8 @@
           <a:lstStyle/>
           <a:p>
             <a:r>
-              <a:rPr lang="en-US" dirty="0"/>
-              <a:t>Robot Framework Library – </a:t>
-            </a:r>
-            <a:r>
-              <a:rPr lang="en-US"/>
-              <a:t>Loop Statements</a:t>
+              <a:rPr lang="en-US" dirty="0" smtClean="0"/>
+              <a:t>Functions - Continued</a:t>
             </a:r>
             <a:endParaRPr lang="en-US" dirty="0"/>
           </a:p>
@@ -4945,19 +4987,392 @@
         </p:nvSpPr>
         <p:spPr/>
         <p:txBody>
-          <a:bodyPr/>
-          <a:lstStyle/>
-          <a:p>
-            <a:endParaRPr lang="en-US"/>
+          <a:bodyPr>
+            <a:normAutofit fontScale="92500" lnSpcReduction="20000"/>
+          </a:bodyPr>
+          <a:lstStyle/>
+          <a:p>
+            <a:r>
+              <a:rPr lang="en-US" dirty="0" smtClean="0"/>
+              <a:t>You can define functions to provide the required functionality. Here are simple rules to define a function in Python.</a:t>
+            </a:r>
+          </a:p>
+          <a:p>
+            <a:r>
+              <a:rPr lang="en-US" dirty="0" smtClean="0"/>
+              <a:t>Function blocks begin with the keyword </a:t>
+            </a:r>
+            <a:r>
+              <a:rPr lang="en-US" b="1" dirty="0" smtClean="0"/>
+              <a:t>def</a:t>
+            </a:r>
+            <a:r>
+              <a:rPr lang="en-US" dirty="0" smtClean="0"/>
+              <a:t> followed by the function name and parentheses ( ( ) ).</a:t>
+            </a:r>
+          </a:p>
+          <a:p>
+            <a:r>
+              <a:rPr lang="en-US" dirty="0" smtClean="0"/>
+              <a:t>Any input parameters or arguments should be placed within these parentheses. You can also define parameters inside these parentheses.</a:t>
+            </a:r>
+          </a:p>
+          <a:p>
+            <a:r>
+              <a:rPr lang="en-US" dirty="0" smtClean="0"/>
+              <a:t>The first statement of a function can be an optional statement - the documentation string of the function or </a:t>
+            </a:r>
+            <a:r>
+              <a:rPr lang="en-US" i="1" dirty="0" err="1" smtClean="0"/>
+              <a:t>docstring</a:t>
+            </a:r>
+            <a:r>
+              <a:rPr lang="en-US" dirty="0" smtClean="0"/>
+              <a:t>.</a:t>
+            </a:r>
+          </a:p>
+          <a:p>
+            <a:r>
+              <a:rPr lang="en-US" dirty="0" smtClean="0"/>
+              <a:t>The code block within every function starts with a colon (:) and is indented.</a:t>
+            </a:r>
+          </a:p>
+          <a:p>
+            <a:r>
+              <a:rPr lang="en-US" dirty="0" smtClean="0"/>
+              <a:t>The statement return [expression] exits a function, optionally passing back an expression to the caller. A return statement with no arguments is the same as return None</a:t>
+            </a:r>
+          </a:p>
+          <a:p>
+            <a:endParaRPr lang="en-US" dirty="0"/>
           </a:p>
         </p:txBody>
       </p:sp>
     </p:spTree>
     <p:extLst>
       <p:ext uri="{BB962C8B-B14F-4D97-AF65-F5344CB8AC3E}">
-        <p14:creationId xmlns:p14="http://schemas.microsoft.com/office/powerpoint/2010/main" val="1713949836"/>
+        <p14:creationId xmlns:p14="http://schemas.microsoft.com/office/powerpoint/2010/main" xmlns="" val="1713949836"/>
       </p:ext>
     </p:extLst>
+  </p:cSld>
+  <p:clrMapOvr>
+    <a:masterClrMapping/>
+  </p:clrMapOvr>
+</p:sld>
+</file>
+
+<file path=ppt/slides/slide21.xml><?xml version="1.0" encoding="utf-8"?>
+<p:sld xmlns:a="http://schemas.openxmlformats.org/drawingml/2006/main" xmlns:r="http://schemas.openxmlformats.org/officeDocument/2006/relationships" xmlns:p="http://schemas.openxmlformats.org/presentationml/2006/main">
+  <p:cSld>
+    <p:spTree>
+      <p:nvGrpSpPr>
+        <p:cNvPr id="1" name=""/>
+        <p:cNvGrpSpPr/>
+        <p:nvPr/>
+      </p:nvGrpSpPr>
+      <p:grpSpPr>
+        <a:xfrm>
+          <a:off x="0" y="0"/>
+          <a:ext cx="0" cy="0"/>
+          <a:chOff x="0" y="0"/>
+          <a:chExt cx="0" cy="0"/>
+        </a:xfrm>
+      </p:grpSpPr>
+      <p:sp>
+        <p:nvSpPr>
+          <p:cNvPr id="2" name="Title 1"/>
+          <p:cNvSpPr>
+            <a:spLocks noGrp="1"/>
+          </p:cNvSpPr>
+          <p:nvPr>
+            <p:ph type="title"/>
+          </p:nvPr>
+        </p:nvSpPr>
+        <p:spPr/>
+        <p:txBody>
+          <a:bodyPr/>
+          <a:lstStyle/>
+          <a:p>
+            <a:r>
+              <a:rPr lang="en-US" dirty="0" smtClean="0"/>
+              <a:t>Function Definition</a:t>
+            </a:r>
+            <a:endParaRPr lang="en-US" dirty="0"/>
+          </a:p>
+        </p:txBody>
+      </p:sp>
+      <p:sp>
+        <p:nvSpPr>
+          <p:cNvPr id="3" name="Content Placeholder 2"/>
+          <p:cNvSpPr>
+            <a:spLocks noGrp="1"/>
+          </p:cNvSpPr>
+          <p:nvPr>
+            <p:ph idx="1"/>
+          </p:nvPr>
+        </p:nvSpPr>
+        <p:spPr/>
+        <p:txBody>
+          <a:bodyPr>
+            <a:normAutofit fontScale="85000" lnSpcReduction="20000"/>
+          </a:bodyPr>
+          <a:lstStyle/>
+          <a:p>
+            <a:r>
+              <a:rPr lang="en-US" dirty="0" smtClean="0"/>
+              <a:t>def </a:t>
+            </a:r>
+            <a:r>
+              <a:rPr lang="en-US" dirty="0" err="1" smtClean="0"/>
+              <a:t>functionname</a:t>
+            </a:r>
+            <a:r>
+              <a:rPr lang="en-US" dirty="0" smtClean="0"/>
+              <a:t>( parameters ): "</a:t>
+            </a:r>
+            <a:r>
+              <a:rPr lang="en-US" dirty="0" err="1" smtClean="0"/>
+              <a:t>function_docstring</a:t>
+            </a:r>
+            <a:r>
+              <a:rPr lang="en-US" dirty="0" smtClean="0"/>
+              <a:t>" </a:t>
+            </a:r>
+            <a:r>
+              <a:rPr lang="en-US" dirty="0" err="1" smtClean="0"/>
+              <a:t>function_suite</a:t>
+            </a:r>
+            <a:r>
+              <a:rPr lang="en-US" dirty="0" smtClean="0"/>
+              <a:t> return [expression</a:t>
+            </a:r>
+            <a:r>
+              <a:rPr lang="en-US" dirty="0" smtClean="0"/>
+              <a:t>]</a:t>
+            </a:r>
+          </a:p>
+          <a:p>
+            <a:endParaRPr lang="en-US" dirty="0" smtClean="0"/>
+          </a:p>
+          <a:p>
+            <a:pPr>
+              <a:buNone/>
+            </a:pPr>
+            <a:r>
+              <a:rPr lang="en-US" dirty="0" smtClean="0"/>
+              <a:t>def </a:t>
+            </a:r>
+            <a:r>
+              <a:rPr lang="en-US" dirty="0" err="1" smtClean="0"/>
+              <a:t>printme</a:t>
+            </a:r>
+            <a:r>
+              <a:rPr lang="en-US" dirty="0" smtClean="0"/>
+              <a:t>( </a:t>
+            </a:r>
+            <a:r>
+              <a:rPr lang="en-US" dirty="0" err="1" smtClean="0"/>
+              <a:t>str</a:t>
+            </a:r>
+            <a:r>
+              <a:rPr lang="en-US" dirty="0" smtClean="0"/>
+              <a:t> ): </a:t>
+            </a:r>
+            <a:endParaRPr lang="en-US" dirty="0" smtClean="0"/>
+          </a:p>
+          <a:p>
+            <a:pPr lvl="1">
+              <a:buNone/>
+            </a:pPr>
+            <a:r>
+              <a:rPr lang="en-US" dirty="0" smtClean="0"/>
+              <a:t>print </a:t>
+            </a:r>
+            <a:r>
+              <a:rPr lang="en-US" dirty="0" err="1" smtClean="0"/>
+              <a:t>str</a:t>
+            </a:r>
+            <a:r>
+              <a:rPr lang="en-US" dirty="0" smtClean="0"/>
+              <a:t> </a:t>
+            </a:r>
+            <a:endParaRPr lang="en-US" dirty="0" smtClean="0"/>
+          </a:p>
+          <a:p>
+            <a:pPr lvl="1">
+              <a:buNone/>
+            </a:pPr>
+            <a:r>
+              <a:rPr lang="en-US" dirty="0" smtClean="0"/>
+              <a:t>Return</a:t>
+            </a:r>
+          </a:p>
+          <a:p>
+            <a:pPr lvl="1">
+              <a:buNone/>
+            </a:pPr>
+            <a:endParaRPr lang="en-US" dirty="0" smtClean="0"/>
+          </a:p>
+          <a:p>
+            <a:pPr>
+              <a:buNone/>
+            </a:pPr>
+            <a:r>
+              <a:rPr lang="en-US" dirty="0" smtClean="0"/>
+              <a:t>def sum( arg1, arg2 ):</a:t>
+            </a:r>
+          </a:p>
+          <a:p>
+            <a:pPr>
+              <a:buNone/>
+            </a:pPr>
+            <a:r>
+              <a:rPr lang="en-US" dirty="0" smtClean="0"/>
+              <a:t>   </a:t>
+            </a:r>
+            <a:r>
+              <a:rPr lang="en-US" dirty="0" smtClean="0"/>
+              <a:t># Add both the parameters and return them."</a:t>
+            </a:r>
+          </a:p>
+          <a:p>
+            <a:pPr>
+              <a:buNone/>
+            </a:pPr>
+            <a:r>
+              <a:rPr lang="en-US" dirty="0" smtClean="0"/>
+              <a:t>   total = arg1 + arg2; # Here total is local variable.</a:t>
+            </a:r>
+          </a:p>
+          <a:p>
+            <a:pPr>
+              <a:buNone/>
+            </a:pPr>
+            <a:r>
+              <a:rPr lang="en-US" dirty="0" smtClean="0"/>
+              <a:t>   print "Inside the function local total : ", total</a:t>
+            </a:r>
+          </a:p>
+          <a:p>
+            <a:pPr>
+              <a:buNone/>
+            </a:pPr>
+            <a:r>
+              <a:rPr lang="en-US" dirty="0" smtClean="0"/>
+              <a:t>   return total;</a:t>
+            </a:r>
+            <a:endParaRPr lang="en-US" dirty="0"/>
+          </a:p>
+        </p:txBody>
+      </p:sp>
+    </p:spTree>
+  </p:cSld>
+  <p:clrMapOvr>
+    <a:masterClrMapping/>
+  </p:clrMapOvr>
+</p:sld>
+</file>
+
+<file path=ppt/slides/slide22.xml><?xml version="1.0" encoding="utf-8"?>
+<p:sld xmlns:a="http://schemas.openxmlformats.org/drawingml/2006/main" xmlns:r="http://schemas.openxmlformats.org/officeDocument/2006/relationships" xmlns:p="http://schemas.openxmlformats.org/presentationml/2006/main">
+  <p:cSld>
+    <p:spTree>
+      <p:nvGrpSpPr>
+        <p:cNvPr id="1" name=""/>
+        <p:cNvGrpSpPr/>
+        <p:nvPr/>
+      </p:nvGrpSpPr>
+      <p:grpSpPr>
+        <a:xfrm>
+          <a:off x="0" y="0"/>
+          <a:ext cx="0" cy="0"/>
+          <a:chOff x="0" y="0"/>
+          <a:chExt cx="0" cy="0"/>
+        </a:xfrm>
+      </p:grpSpPr>
+      <p:sp>
+        <p:nvSpPr>
+          <p:cNvPr id="2" name="Title 1"/>
+          <p:cNvSpPr>
+            <a:spLocks noGrp="1"/>
+          </p:cNvSpPr>
+          <p:nvPr>
+            <p:ph type="title"/>
+          </p:nvPr>
+        </p:nvSpPr>
+        <p:spPr/>
+        <p:txBody>
+          <a:bodyPr/>
+          <a:lstStyle/>
+          <a:p>
+            <a:r>
+              <a:rPr lang="en-US" dirty="0" smtClean="0"/>
+              <a:t>Calling Function</a:t>
+            </a:r>
+            <a:endParaRPr lang="en-US" dirty="0"/>
+          </a:p>
+        </p:txBody>
+      </p:sp>
+      <p:sp>
+        <p:nvSpPr>
+          <p:cNvPr id="3" name="Content Placeholder 2"/>
+          <p:cNvSpPr>
+            <a:spLocks noGrp="1"/>
+          </p:cNvSpPr>
+          <p:nvPr>
+            <p:ph idx="1"/>
+          </p:nvPr>
+        </p:nvSpPr>
+        <p:spPr/>
+        <p:txBody>
+          <a:bodyPr/>
+          <a:lstStyle/>
+          <a:p>
+            <a:r>
+              <a:rPr lang="en-US" dirty="0" smtClean="0"/>
+              <a:t># Now you can </a:t>
+            </a:r>
+            <a:r>
+              <a:rPr lang="en-US" smtClean="0"/>
+              <a:t>call </a:t>
+            </a:r>
+            <a:r>
+              <a:rPr lang="en-US" smtClean="0"/>
+              <a:t>sum </a:t>
+            </a:r>
+            <a:r>
+              <a:rPr lang="en-US" dirty="0" smtClean="0"/>
+              <a:t>function </a:t>
+            </a:r>
+            <a:endParaRPr lang="en-US" dirty="0" smtClean="0"/>
+          </a:p>
+          <a:p>
+            <a:pPr lvl="1"/>
+            <a:r>
+              <a:rPr lang="en-US" dirty="0" smtClean="0"/>
+              <a:t>sum</a:t>
+            </a:r>
+            <a:r>
+              <a:rPr lang="en-US" dirty="0" smtClean="0"/>
+              <a:t>( 10, 20 ); </a:t>
+            </a:r>
+            <a:endParaRPr lang="en-US" dirty="0" smtClean="0"/>
+          </a:p>
+          <a:p>
+            <a:pPr lvl="1"/>
+            <a:r>
+              <a:rPr lang="en-US" dirty="0" smtClean="0"/>
+              <a:t>print </a:t>
+            </a:r>
+            <a:r>
+              <a:rPr lang="en-US" dirty="0" smtClean="0"/>
+              <a:t>"Outside the function global total : ", total </a:t>
+            </a:r>
+            <a:endParaRPr lang="en-US" dirty="0"/>
+          </a:p>
+        </p:txBody>
+      </p:sp>
+    </p:spTree>
   </p:cSld>
   <p:clrMapOvr>
     <a:masterClrMapping/>
@@ -5130,7 +5545,7 @@
     </p:spTree>
     <p:extLst>
       <p:ext uri="{BB962C8B-B14F-4D97-AF65-F5344CB8AC3E}">
-        <p14:creationId xmlns:p14="http://schemas.microsoft.com/office/powerpoint/2010/main" val="2009696981"/>
+        <p14:creationId xmlns:p14="http://schemas.microsoft.com/office/powerpoint/2010/main" xmlns="" val="2009696981"/>
       </p:ext>
     </p:extLst>
   </p:cSld>
@@ -5402,7 +5817,7 @@
     </p:spTree>
     <p:extLst>
       <p:ext uri="{BB962C8B-B14F-4D97-AF65-F5344CB8AC3E}">
-        <p14:creationId xmlns:p14="http://schemas.microsoft.com/office/powerpoint/2010/main" val="3725645249"/>
+        <p14:creationId xmlns:p14="http://schemas.microsoft.com/office/powerpoint/2010/main" xmlns="" val="3725645249"/>
       </p:ext>
     </p:extLst>
   </p:cSld>
@@ -5488,7 +5903,7 @@
     </p:spTree>
     <p:extLst>
       <p:ext uri="{BB962C8B-B14F-4D97-AF65-F5344CB8AC3E}">
-        <p14:creationId xmlns:p14="http://schemas.microsoft.com/office/powerpoint/2010/main" val="2825425161"/>
+        <p14:creationId xmlns:p14="http://schemas.microsoft.com/office/powerpoint/2010/main" xmlns="" val="2825425161"/>
       </p:ext>
     </p:extLst>
   </p:cSld>
@@ -5670,7 +6085,7 @@
     </p:spTree>
     <p:extLst>
       <p:ext uri="{BB962C8B-B14F-4D97-AF65-F5344CB8AC3E}">
-        <p14:creationId xmlns:p14="http://schemas.microsoft.com/office/powerpoint/2010/main" val="2403685900"/>
+        <p14:creationId xmlns:p14="http://schemas.microsoft.com/office/powerpoint/2010/main" xmlns="" val="2403685900"/>
       </p:ext>
     </p:extLst>
   </p:cSld>
@@ -5800,7 +6215,7 @@
     </p:spTree>
     <p:extLst>
       <p:ext uri="{BB962C8B-B14F-4D97-AF65-F5344CB8AC3E}">
-        <p14:creationId xmlns:p14="http://schemas.microsoft.com/office/powerpoint/2010/main" val="3973204381"/>
+        <p14:creationId xmlns:p14="http://schemas.microsoft.com/office/powerpoint/2010/main" xmlns="" val="3973204381"/>
       </p:ext>
     </p:extLst>
   </p:cSld>
@@ -5974,7 +6389,7 @@
     </p:spTree>
     <p:extLst>
       <p:ext uri="{BB962C8B-B14F-4D97-AF65-F5344CB8AC3E}">
-        <p14:creationId xmlns:p14="http://schemas.microsoft.com/office/powerpoint/2010/main" val="3357110512"/>
+        <p14:creationId xmlns:p14="http://schemas.microsoft.com/office/powerpoint/2010/main" xmlns="" val="3357110512"/>
       </p:ext>
     </p:extLst>
   </p:cSld>
@@ -6100,7 +6515,7 @@
     </p:spTree>
     <p:extLst>
       <p:ext uri="{BB962C8B-B14F-4D97-AF65-F5344CB8AC3E}">
-        <p14:creationId xmlns:p14="http://schemas.microsoft.com/office/powerpoint/2010/main" val="663860335"/>
+        <p14:creationId xmlns:p14="http://schemas.microsoft.com/office/powerpoint/2010/main" xmlns="" val="663860335"/>
       </p:ext>
     </p:extLst>
   </p:cSld>
@@ -6153,7 +6568,7 @@
     </a:clrScheme>
     <a:fontScheme name="Office">
       <a:majorFont>
-        <a:latin typeface="Calibri Light" panose="020F0302020204030204"/>
+        <a:latin typeface="Calibri Light"/>
         <a:ea typeface=""/>
         <a:cs typeface=""/>
         <a:font script="Jpan" typeface="游ゴシック Light"/>
@@ -6205,7 +6620,7 @@
         <a:font script="Tfng" typeface="Ebrima"/>
       </a:majorFont>
       <a:minorFont>
-        <a:latin typeface="Calibri" panose="020F0502020204030204"/>
+        <a:latin typeface="Calibri"/>
         <a:ea typeface=""/>
         <a:cs typeface=""/>
         <a:font script="Jpan" typeface="游ゴシック"/>
@@ -6399,7 +6814,7 @@
   <a:extraClrSchemeLst/>
   <a:extLst>
     <a:ext uri="{05A4C25C-085E-4340-85A3-A5531E510DB2}">
-      <thm15:themeFamily xmlns:thm15="http://schemas.microsoft.com/office/thememl/2012/main" name="Office Theme" id="{62F939B6-93AF-4DB8-9C6B-D6C7DFDC589F}" vid="{4A3C46E8-61CC-4603-A589-7422A47A8E4A}"/>
+      <thm15:themeFamily xmlns:thm15="http://schemas.microsoft.com/office/thememl/2012/main" xmlns="" name="Office Theme" id="{62F939B6-93AF-4DB8-9C6B-D6C7DFDC589F}" vid="{4A3C46E8-61CC-4603-A589-7422A47A8E4A}"/>
     </a:ext>
   </a:extLst>
 </a:theme>
@@ -6448,7 +6863,7 @@
     </a:clrScheme>
     <a:fontScheme name="Office">
       <a:majorFont>
-        <a:latin typeface="Calibri Light" panose="020F0302020204030204"/>
+        <a:latin typeface="Calibri Light"/>
         <a:ea typeface=""/>
         <a:cs typeface=""/>
         <a:font script="Jpan" typeface="游ゴシック Light"/>
@@ -6500,7 +6915,7 @@
         <a:font script="Tfng" typeface="Ebrima"/>
       </a:majorFont>
       <a:minorFont>
-        <a:latin typeface="Calibri" panose="020F0502020204030204"/>
+        <a:latin typeface="Calibri"/>
         <a:ea typeface=""/>
         <a:cs typeface=""/>
         <a:font script="Jpan" typeface="游ゴシック"/>
@@ -6694,7 +7109,7 @@
   <a:extraClrSchemeLst/>
   <a:extLst>
     <a:ext uri="{05A4C25C-085E-4340-85A3-A5531E510DB2}">
-      <thm15:themeFamily xmlns:thm15="http://schemas.microsoft.com/office/thememl/2012/main" name="Office Theme" id="{62F939B6-93AF-4DB8-9C6B-D6C7DFDC589F}" vid="{4A3C46E8-61CC-4603-A589-7422A47A8E4A}"/>
+      <thm15:themeFamily xmlns:thm15="http://schemas.microsoft.com/office/thememl/2012/main" xmlns="" name="Office Theme" id="{62F939B6-93AF-4DB8-9C6B-D6C7DFDC589F}" vid="{4A3C46E8-61CC-4603-A589-7422A47A8E4A}"/>
     </a:ext>
   </a:extLst>
 </a:theme>
